--- a/Magic8Ball.pptx
+++ b/Magic8Ball.pptx
@@ -12,7 +12,8 @@
     <p:sldId id="260" r:id="rId6"/>
     <p:sldId id="261" r:id="rId7"/>
     <p:sldId id="262" r:id="rId8"/>
-    <p:sldId id="263" r:id="rId9"/>
+    <p:sldId id="264" r:id="rId9"/>
+    <p:sldId id="263" r:id="rId10"/>
   </p:sldIdLst>
   <p:sldSz cx="12192000" cy="6858000"/>
   <p:notesSz cx="6858000" cy="9144000"/>
@@ -6363,6 +6364,36 @@
           </a:p>
         </p:txBody>
       </p:sp>
+      <p:pic>
+        <p:nvPicPr>
+          <p:cNvPr id="4" name="Kép 3">
+            <a:extLst>
+              <a:ext uri="{FF2B5EF4-FFF2-40B4-BE49-F238E27FC236}">
+                <a16:creationId xmlns:a16="http://schemas.microsoft.com/office/drawing/2014/main" id="{B82849B6-6FC5-4860-BE93-29CBC5031615}"/>
+              </a:ext>
+            </a:extLst>
+          </p:cNvPr>
+          <p:cNvPicPr>
+            <a:picLocks noChangeAspect="1"/>
+          </p:cNvPicPr>
+          <p:nvPr/>
+        </p:nvPicPr>
+        <p:blipFill>
+          <a:blip r:embed="rId2"/>
+          <a:stretch>
+            <a:fillRect/>
+          </a:stretch>
+        </p:blipFill>
+        <p:spPr>
+          <a:xfrm>
+            <a:off x="3858936" y="3224008"/>
+            <a:ext cx="7074096" cy="3453610"/>
+          </a:xfrm>
+          <a:prstGeom prst="rect">
+            <a:avLst/>
+          </a:prstGeom>
+        </p:spPr>
+      </p:pic>
     </p:spTree>
     <p:extLst>
       <p:ext uri="{BB962C8B-B14F-4D97-AF65-F5344CB8AC3E}">
@@ -6380,6 +6411,133 @@
 </file>
 
 <file path=ppt/slides/slide8.xml><?xml version="1.0" encoding="utf-8"?>
+<p:sld xmlns:a="http://schemas.openxmlformats.org/drawingml/2006/main" xmlns:r="http://schemas.openxmlformats.org/officeDocument/2006/relationships" xmlns:p="http://schemas.openxmlformats.org/presentationml/2006/main">
+  <p:cSld>
+    <p:spTree>
+      <p:nvGrpSpPr>
+        <p:cNvPr id="1" name=""/>
+        <p:cNvGrpSpPr/>
+        <p:nvPr/>
+      </p:nvGrpSpPr>
+      <p:grpSpPr>
+        <a:xfrm>
+          <a:off x="0" y="0"/>
+          <a:ext cx="0" cy="0"/>
+          <a:chOff x="0" y="0"/>
+          <a:chExt cx="0" cy="0"/>
+        </a:xfrm>
+      </p:grpSpPr>
+      <p:sp>
+        <p:nvSpPr>
+          <p:cNvPr id="2" name="Cím 1">
+            <a:extLst>
+              <a:ext uri="{FF2B5EF4-FFF2-40B4-BE49-F238E27FC236}">
+                <a16:creationId xmlns:a16="http://schemas.microsoft.com/office/drawing/2014/main" id="{5D704DC5-0920-45CD-B638-863DD07C4810}"/>
+              </a:ext>
+            </a:extLst>
+          </p:cNvPr>
+          <p:cNvSpPr>
+            <a:spLocks noGrp="1"/>
+          </p:cNvSpPr>
+          <p:nvPr>
+            <p:ph type="title"/>
+          </p:nvPr>
+        </p:nvSpPr>
+        <p:spPr/>
+        <p:txBody>
+          <a:bodyPr/>
+          <a:lstStyle/>
+          <a:p>
+            <a:r>
+              <a:rPr lang="hu-HU" dirty="0"/>
+              <a:t>Kommunikáció</a:t>
+            </a:r>
+          </a:p>
+        </p:txBody>
+      </p:sp>
+      <p:sp>
+        <p:nvSpPr>
+          <p:cNvPr id="3" name="Tartalom helye 2">
+            <a:extLst>
+              <a:ext uri="{FF2B5EF4-FFF2-40B4-BE49-F238E27FC236}">
+                <a16:creationId xmlns:a16="http://schemas.microsoft.com/office/drawing/2014/main" id="{70B47D88-D48D-4484-B0DE-46A4D373CA82}"/>
+              </a:ext>
+            </a:extLst>
+          </p:cNvPr>
+          <p:cNvSpPr>
+            <a:spLocks noGrp="1"/>
+          </p:cNvSpPr>
+          <p:nvPr>
+            <p:ph idx="1"/>
+          </p:nvPr>
+        </p:nvSpPr>
+        <p:spPr/>
+        <p:txBody>
+          <a:bodyPr/>
+          <a:lstStyle/>
+          <a:p>
+            <a:r>
+              <a:rPr lang="hu-HU" dirty="0"/>
+              <a:t>A játékot a </a:t>
+            </a:r>
+            <a:r>
+              <a:rPr lang="hu-HU" dirty="0" err="1"/>
+              <a:t>trello</a:t>
+            </a:r>
+            <a:r>
+              <a:rPr lang="hu-HU" dirty="0"/>
+              <a:t> felületén is folyton dokumentáltuk, hogy mikor mi történt.</a:t>
+            </a:r>
+          </a:p>
+        </p:txBody>
+      </p:sp>
+      <p:pic>
+        <p:nvPicPr>
+          <p:cNvPr id="4" name="Kép 3">
+            <a:extLst>
+              <a:ext uri="{FF2B5EF4-FFF2-40B4-BE49-F238E27FC236}">
+                <a16:creationId xmlns:a16="http://schemas.microsoft.com/office/drawing/2014/main" id="{BB56D9C4-B270-4673-963B-22800CC80586}"/>
+              </a:ext>
+            </a:extLst>
+          </p:cNvPr>
+          <p:cNvPicPr>
+            <a:picLocks noChangeAspect="1"/>
+          </p:cNvPicPr>
+          <p:nvPr/>
+        </p:nvPicPr>
+        <p:blipFill>
+          <a:blip r:embed="rId2"/>
+          <a:stretch>
+            <a:fillRect/>
+          </a:stretch>
+        </p:blipFill>
+        <p:spPr>
+          <a:xfrm>
+            <a:off x="1820411" y="2573909"/>
+            <a:ext cx="7541703" cy="3804257"/>
+          </a:xfrm>
+          <a:prstGeom prst="rect">
+            <a:avLst/>
+          </a:prstGeom>
+        </p:spPr>
+      </p:pic>
+    </p:spTree>
+    <p:extLst>
+      <p:ext uri="{BB962C8B-B14F-4D97-AF65-F5344CB8AC3E}">
+        <p14:creationId xmlns:p14="http://schemas.microsoft.com/office/powerpoint/2010/main" val="1947946941"/>
+      </p:ext>
+    </p:extLst>
+  </p:cSld>
+  <p:clrMapOvr>
+    <a:masterClrMapping/>
+  </p:clrMapOvr>
+  <p:transition spd="slow">
+    <p:push dir="u"/>
+  </p:transition>
+</p:sld>
+</file>
+
+<file path=ppt/slides/slide9.xml><?xml version="1.0" encoding="utf-8"?>
 <p:sld xmlns:a="http://schemas.openxmlformats.org/drawingml/2006/main" xmlns:r="http://schemas.openxmlformats.org/officeDocument/2006/relationships" xmlns:p="http://schemas.openxmlformats.org/presentationml/2006/main">
   <p:cSld>
     <p:spTree>
